--- a/Ball On Plate Presentation.pptx
+++ b/Ball On Plate Presentation.pptx
@@ -12,9 +12,11 @@
     <p:sldId id="260" r:id="rId6"/>
     <p:sldId id="261" r:id="rId7"/>
     <p:sldId id="262" r:id="rId8"/>
-    <p:sldId id="263" r:id="rId9"/>
-    <p:sldId id="264" r:id="rId10"/>
-    <p:sldId id="265" r:id="rId11"/>
+    <p:sldId id="266" r:id="rId9"/>
+    <p:sldId id="267" r:id="rId10"/>
+    <p:sldId id="263" r:id="rId11"/>
+    <p:sldId id="264" r:id="rId12"/>
+    <p:sldId id="265" r:id="rId13"/>
   </p:sldIdLst>
   <p:sldSz cx="12192000" cy="6858000"/>
   <p:notesSz cx="6858000" cy="9144000"/>
@@ -113,6 +115,11 @@
       </a:defRPr>
     </a:lvl9pPr>
   </p:defaultTextStyle>
+  <p:extLst>
+    <p:ext uri="{EFAFB233-063F-42B5-8137-9DF3F51BA10A}">
+      <p15:sldGuideLst xmlns:p15="http://schemas.microsoft.com/office/powerpoint/2012/main"/>
+    </p:ext>
+  </p:extLst>
 </p:presentation>
 </file>
 
@@ -317,7 +324,7 @@
           <a:p>
             <a:fld id="{A24AD700-8CCA-46A3-A244-8DEE7DC85D7C}" type="datetimeFigureOut">
               <a:rPr lang="en-US" smtClean="0"/>
-              <a:t>12/16/2021</a:t>
+              <a:t>12/17/2021</a:t>
             </a:fld>
             <a:endParaRPr lang="en-US"/>
           </a:p>
@@ -515,7 +522,7 @@
           <a:p>
             <a:fld id="{A24AD700-8CCA-46A3-A244-8DEE7DC85D7C}" type="datetimeFigureOut">
               <a:rPr lang="en-US" smtClean="0"/>
-              <a:t>12/16/2021</a:t>
+              <a:t>12/17/2021</a:t>
             </a:fld>
             <a:endParaRPr lang="en-US"/>
           </a:p>
@@ -723,7 +730,7 @@
           <a:p>
             <a:fld id="{A24AD700-8CCA-46A3-A244-8DEE7DC85D7C}" type="datetimeFigureOut">
               <a:rPr lang="en-US" smtClean="0"/>
-              <a:t>12/16/2021</a:t>
+              <a:t>12/17/2021</a:t>
             </a:fld>
             <a:endParaRPr lang="en-US"/>
           </a:p>
@@ -921,7 +928,7 @@
           <a:p>
             <a:fld id="{A24AD700-8CCA-46A3-A244-8DEE7DC85D7C}" type="datetimeFigureOut">
               <a:rPr lang="en-US" smtClean="0"/>
-              <a:t>12/16/2021</a:t>
+              <a:t>12/17/2021</a:t>
             </a:fld>
             <a:endParaRPr lang="en-US"/>
           </a:p>
@@ -1196,7 +1203,7 @@
           <a:p>
             <a:fld id="{A24AD700-8CCA-46A3-A244-8DEE7DC85D7C}" type="datetimeFigureOut">
               <a:rPr lang="en-US" smtClean="0"/>
-              <a:t>12/16/2021</a:t>
+              <a:t>12/17/2021</a:t>
             </a:fld>
             <a:endParaRPr lang="en-US"/>
           </a:p>
@@ -1461,7 +1468,7 @@
           <a:p>
             <a:fld id="{A24AD700-8CCA-46A3-A244-8DEE7DC85D7C}" type="datetimeFigureOut">
               <a:rPr lang="en-US" smtClean="0"/>
-              <a:t>12/16/2021</a:t>
+              <a:t>12/17/2021</a:t>
             </a:fld>
             <a:endParaRPr lang="en-US"/>
           </a:p>
@@ -1873,7 +1880,7 @@
           <a:p>
             <a:fld id="{A24AD700-8CCA-46A3-A244-8DEE7DC85D7C}" type="datetimeFigureOut">
               <a:rPr lang="en-US" smtClean="0"/>
-              <a:t>12/16/2021</a:t>
+              <a:t>12/17/2021</a:t>
             </a:fld>
             <a:endParaRPr lang="en-US"/>
           </a:p>
@@ -2014,7 +2021,7 @@
           <a:p>
             <a:fld id="{A24AD700-8CCA-46A3-A244-8DEE7DC85D7C}" type="datetimeFigureOut">
               <a:rPr lang="en-US" smtClean="0"/>
-              <a:t>12/16/2021</a:t>
+              <a:t>12/17/2021</a:t>
             </a:fld>
             <a:endParaRPr lang="en-US"/>
           </a:p>
@@ -2127,7 +2134,7 @@
           <a:p>
             <a:fld id="{A24AD700-8CCA-46A3-A244-8DEE7DC85D7C}" type="datetimeFigureOut">
               <a:rPr lang="en-US" smtClean="0"/>
-              <a:t>12/16/2021</a:t>
+              <a:t>12/17/2021</a:t>
             </a:fld>
             <a:endParaRPr lang="en-US"/>
           </a:p>
@@ -2438,7 +2445,7 @@
           <a:p>
             <a:fld id="{A24AD700-8CCA-46A3-A244-8DEE7DC85D7C}" type="datetimeFigureOut">
               <a:rPr lang="en-US" smtClean="0"/>
-              <a:t>12/16/2021</a:t>
+              <a:t>12/17/2021</a:t>
             </a:fld>
             <a:endParaRPr lang="en-US"/>
           </a:p>
@@ -2726,7 +2733,7 @@
           <a:p>
             <a:fld id="{A24AD700-8CCA-46A3-A244-8DEE7DC85D7C}" type="datetimeFigureOut">
               <a:rPr lang="en-US" smtClean="0"/>
-              <a:t>12/16/2021</a:t>
+              <a:t>12/17/2021</a:t>
             </a:fld>
             <a:endParaRPr lang="en-US"/>
           </a:p>
@@ -2967,7 +2974,7 @@
           <a:p>
             <a:fld id="{A24AD700-8CCA-46A3-A244-8DEE7DC85D7C}" type="datetimeFigureOut">
               <a:rPr lang="en-US" smtClean="0"/>
-              <a:t>12/16/2021</a:t>
+              <a:t>12/17/2021</a:t>
             </a:fld>
             <a:endParaRPr lang="en-US"/>
           </a:p>
@@ -3832,8 +3839,8 @@
           </a:p>
         </p:txBody>
       </p:sp>
-      <mc:AlternateContent xmlns:mc="http://schemas.openxmlformats.org/markup-compatibility/2006">
-        <mc:Choice xmlns:p14="http://schemas.microsoft.com/office/powerpoint/2010/main" Requires="p14">
+      <mc:AlternateContent xmlns:mc="http://schemas.openxmlformats.org/markup-compatibility/2006" xmlns:p14="http://schemas.microsoft.com/office/powerpoint/2010/main">
+        <mc:Choice Requires="p14">
           <p:contentPart p14:bwMode="auto" r:id="rId3">
             <p14:nvContentPartPr>
               <p14:cNvPr id="28" name="Ink 27">
@@ -3852,7 +3859,7 @@
             </p14:xfrm>
           </p:contentPart>
         </mc:Choice>
-        <mc:Fallback>
+        <mc:Fallback xmlns="">
           <p:pic>
             <p:nvPicPr>
               <p:cNvPr id="28" name="Ink 27">
@@ -3866,7 +3873,7 @@
               <p:nvPr/>
             </p:nvPicPr>
             <p:blipFill>
-              <a:blip r:embed="rId4"/>
+              <a:blip r:embed="rId7"/>
               <a:stretch>
                 <a:fillRect/>
               </a:stretch>
@@ -3883,9 +3890,9 @@
           </p:pic>
         </mc:Fallback>
       </mc:AlternateContent>
-      <mc:AlternateContent xmlns:mc="http://schemas.openxmlformats.org/markup-compatibility/2006">
-        <mc:Choice xmlns:p14="http://schemas.microsoft.com/office/powerpoint/2010/main" Requires="p14">
-          <p:contentPart p14:bwMode="auto" r:id="rId5">
+      <mc:AlternateContent xmlns:mc="http://schemas.openxmlformats.org/markup-compatibility/2006" xmlns:p14="http://schemas.microsoft.com/office/powerpoint/2010/main">
+        <mc:Choice Requires="p14">
+          <p:contentPart p14:bwMode="auto" r:id="rId8">
             <p14:nvContentPartPr>
               <p14:cNvPr id="29" name="Ink 28">
                 <a:extLst>
@@ -3903,7 +3910,7 @@
             </p14:xfrm>
           </p:contentPart>
         </mc:Choice>
-        <mc:Fallback>
+        <mc:Fallback xmlns="">
           <p:pic>
             <p:nvPicPr>
               <p:cNvPr id="29" name="Ink 28">
@@ -3917,7 +3924,7 @@
               <p:nvPr/>
             </p:nvPicPr>
             <p:blipFill>
-              <a:blip r:embed="rId6"/>
+              <a:blip r:embed="rId9"/>
               <a:stretch>
                 <a:fillRect/>
               </a:stretch>
@@ -3949,7 +3956,7 @@
           <p:nvPr/>
         </p:nvPicPr>
         <p:blipFill>
-          <a:blip r:embed="rId7">
+          <a:blip r:embed="rId10">
             <a:extLst>
               <a:ext uri="{28A0092B-C50C-407E-A947-70E740481C1C}">
                 <a14:useLocalDpi xmlns:a14="http://schemas.microsoft.com/office/drawing/2010/main" val="0"/>
@@ -3980,6 +3987,14 @@
   <p:clrMapOvr>
     <a:overrideClrMapping bg1="dk1" tx1="lt1" bg2="dk2" tx2="lt2" accent1="accent1" accent2="accent2" accent3="accent3" accent4="accent4" accent5="accent5" accent6="accent6" hlink="hlink" folHlink="folHlink"/>
   </p:clrMapOvr>
+  <mc:AlternateContent xmlns:mc="http://schemas.openxmlformats.org/markup-compatibility/2006" xmlns:p14="http://schemas.microsoft.com/office/powerpoint/2010/main">
+    <mc:Choice Requires="p14">
+      <p:transition spd="slow" p14:dur="2000" advTm="15052"/>
+    </mc:Choice>
+    <mc:Fallback xmlns="">
+      <p:transition spd="slow" advTm="15052"/>
+    </mc:Fallback>
+  </mc:AlternateContent>
 </p:sld>
 </file>
 
@@ -4000,12 +4015,61 @@
           <a:chExt cx="0" cy="0"/>
         </a:xfrm>
       </p:grpSpPr>
+      <p:pic>
+        <p:nvPicPr>
+          <p:cNvPr id="6146" name="Picture 2">
+            <a:extLst>
+              <a:ext uri="{FF2B5EF4-FFF2-40B4-BE49-F238E27FC236}">
+                <a16:creationId xmlns:a16="http://schemas.microsoft.com/office/drawing/2014/main" id="{88772FC1-F330-4131-BE0B-3A8814697A82}"/>
+              </a:ext>
+            </a:extLst>
+          </p:cNvPr>
+          <p:cNvPicPr>
+            <a:picLocks noGrp="1" noChangeAspect="1" noChangeArrowheads="1"/>
+          </p:cNvPicPr>
+          <p:nvPr>
+            <p:ph idx="1"/>
+          </p:nvPr>
+        </p:nvPicPr>
+        <p:blipFill>
+          <a:blip r:embed="rId2">
+            <a:extLst>
+              <a:ext uri="{28A0092B-C50C-407E-A947-70E740481C1C}">
+                <a14:useLocalDpi xmlns:a14="http://schemas.microsoft.com/office/drawing/2010/main" val="0"/>
+              </a:ext>
+            </a:extLst>
+          </a:blip>
+          <a:srcRect/>
+          <a:stretch>
+            <a:fillRect/>
+          </a:stretch>
+        </p:blipFill>
+        <p:spPr bwMode="auto">
+          <a:xfrm>
+            <a:off x="5033297" y="1422019"/>
+            <a:ext cx="6953386" cy="5435981"/>
+          </a:xfrm>
+          <a:prstGeom prst="rect">
+            <a:avLst/>
+          </a:prstGeom>
+          <a:noFill/>
+          <a:extLst>
+            <a:ext uri="{909E8E84-426E-40DD-AFC4-6F175D3DCCD1}">
+              <a14:hiddenFill xmlns:a14="http://schemas.microsoft.com/office/drawing/2010/main">
+                <a:solidFill>
+                  <a:srgbClr val="FFFFFF"/>
+                </a:solidFill>
+              </a14:hiddenFill>
+            </a:ext>
+          </a:extLst>
+        </p:spPr>
+      </p:pic>
       <p:sp>
         <p:nvSpPr>
           <p:cNvPr id="2" name="Title 1">
             <a:extLst>
               <a:ext uri="{FF2B5EF4-FFF2-40B4-BE49-F238E27FC236}">
-                <a16:creationId xmlns:a16="http://schemas.microsoft.com/office/drawing/2014/main" id="{C597119B-5BE2-4B43-A9A4-F89295757EBB}"/>
+                <a16:creationId xmlns:a16="http://schemas.microsoft.com/office/drawing/2014/main" id="{134846C8-C1B5-4584-A46F-3C706E6146F8}"/>
               </a:ext>
             </a:extLst>
           </p:cNvPr>
@@ -4022,19 +4086,303 @@
           <a:lstStyle/>
           <a:p>
             <a:r>
-              <a:rPr lang="en-US" b="1">
+              <a:rPr lang="en-US" b="1" dirty="0">
                 <a:latin typeface="Times New Roman" panose="02020603050405020304" pitchFamily="18" charset="0"/>
                 <a:cs typeface="Times New Roman" panose="02020603050405020304" pitchFamily="18" charset="0"/>
               </a:rPr>
               <a:t>Controller Design and Simulation</a:t>
             </a:r>
-            <a:endParaRPr lang="en-US" b="1" dirty="0">
+          </a:p>
+        </p:txBody>
+      </p:sp>
+      <p:sp>
+        <p:nvSpPr>
+          <p:cNvPr id="4" name="TextBox 3">
+            <a:extLst>
+              <a:ext uri="{FF2B5EF4-FFF2-40B4-BE49-F238E27FC236}">
+                <a16:creationId xmlns:a16="http://schemas.microsoft.com/office/drawing/2014/main" id="{6D2F2574-9346-403A-9EB0-2FDCFDD111DF}"/>
+              </a:ext>
+            </a:extLst>
+          </p:cNvPr>
+          <p:cNvSpPr txBox="1"/>
+          <p:nvPr/>
+        </p:nvSpPr>
+        <p:spPr>
+          <a:xfrm>
+            <a:off x="372533" y="1896533"/>
+            <a:ext cx="4660764" cy="3046988"/>
+          </a:xfrm>
+          <a:prstGeom prst="rect">
+            <a:avLst/>
+          </a:prstGeom>
+          <a:noFill/>
+        </p:spPr>
+        <p:txBody>
+          <a:bodyPr wrap="square" rtlCol="0">
+            <a:spAutoFit/>
+          </a:bodyPr>
+          <a:lstStyle/>
+          <a:p>
+            <a:pPr marL="285750" indent="-285750">
+              <a:buFont typeface="Arial" panose="020B0604020202020204" pitchFamily="34" charset="0"/>
+              <a:buChar char="•"/>
+            </a:pPr>
+            <a:r>
+              <a:rPr lang="en-US" sz="2400" dirty="0">
+                <a:latin typeface="Times New Roman" panose="02020603050405020304" pitchFamily="18" charset="0"/>
+                <a:cs typeface="Times New Roman" panose="02020603050405020304" pitchFamily="18" charset="0"/>
+              </a:rPr>
+              <a:t>The following is a graphical representation of the output data acquired from MATLAB for the balls position vs time within the system.</a:t>
+            </a:r>
+          </a:p>
+          <a:p>
+            <a:pPr marL="285750" indent="-285750">
+              <a:buFont typeface="Arial" panose="020B0604020202020204" pitchFamily="34" charset="0"/>
+              <a:buChar char="•"/>
+            </a:pPr>
+            <a:endParaRPr lang="en-US" sz="2400" dirty="0">
               <a:latin typeface="Times New Roman" panose="02020603050405020304" pitchFamily="18" charset="0"/>
               <a:cs typeface="Times New Roman" panose="02020603050405020304" pitchFamily="18" charset="0"/>
             </a:endParaRPr>
           </a:p>
-        </p:txBody>
-      </p:sp>
+          <a:p>
+            <a:r>
+              <a:rPr lang="en-US" sz="2400" dirty="0">
+                <a:latin typeface="Times New Roman" panose="02020603050405020304" pitchFamily="18" charset="0"/>
+                <a:cs typeface="Times New Roman" panose="02020603050405020304" pitchFamily="18" charset="0"/>
+              </a:rPr>
+              <a:t>NOTE: x- and y- positions of ball are listed independently </a:t>
+            </a:r>
+          </a:p>
+        </p:txBody>
+      </p:sp>
+    </p:spTree>
+    <p:extLst>
+      <p:ext uri="{BB962C8B-B14F-4D97-AF65-F5344CB8AC3E}">
+        <p14:creationId xmlns:p14="http://schemas.microsoft.com/office/powerpoint/2010/main" val="3896515915"/>
+      </p:ext>
+    </p:extLst>
+  </p:cSld>
+  <p:clrMapOvr>
+    <a:masterClrMapping/>
+  </p:clrMapOvr>
+  <mc:AlternateContent xmlns:mc="http://schemas.openxmlformats.org/markup-compatibility/2006" xmlns:p14="http://schemas.microsoft.com/office/powerpoint/2010/main">
+    <mc:Choice Requires="p14">
+      <p:transition spd="slow" p14:dur="2000" advTm="8040"/>
+    </mc:Choice>
+    <mc:Fallback xmlns="">
+      <p:transition spd="slow" advTm="8040"/>
+    </mc:Fallback>
+  </mc:AlternateContent>
+</p:sld>
+</file>
+
+<file path=ppt/slides/slide11.xml><?xml version="1.0" encoding="utf-8"?>
+<p:sld xmlns:a="http://schemas.openxmlformats.org/drawingml/2006/main" xmlns:r="http://schemas.openxmlformats.org/officeDocument/2006/relationships" xmlns:p="http://schemas.openxmlformats.org/presentationml/2006/main">
+  <p:cSld>
+    <p:spTree>
+      <p:nvGrpSpPr>
+        <p:cNvPr id="1" name=""/>
+        <p:cNvGrpSpPr/>
+        <p:nvPr/>
+      </p:nvGrpSpPr>
+      <p:grpSpPr>
+        <a:xfrm>
+          <a:off x="0" y="0"/>
+          <a:ext cx="0" cy="0"/>
+          <a:chOff x="0" y="0"/>
+          <a:chExt cx="0" cy="0"/>
+        </a:xfrm>
+      </p:grpSpPr>
+      <p:pic>
+        <p:nvPicPr>
+          <p:cNvPr id="7170" name="Picture 2">
+            <a:extLst>
+              <a:ext uri="{FF2B5EF4-FFF2-40B4-BE49-F238E27FC236}">
+                <a16:creationId xmlns:a16="http://schemas.microsoft.com/office/drawing/2014/main" id="{E2E3D8B3-1C94-480A-B3AD-1DDBB9A20597}"/>
+              </a:ext>
+            </a:extLst>
+          </p:cNvPr>
+          <p:cNvPicPr>
+            <a:picLocks noChangeAspect="1" noChangeArrowheads="1"/>
+          </p:cNvPicPr>
+          <p:nvPr/>
+        </p:nvPicPr>
+        <p:blipFill>
+          <a:blip r:embed="rId2">
+            <a:extLst>
+              <a:ext uri="{28A0092B-C50C-407E-A947-70E740481C1C}">
+                <a14:useLocalDpi xmlns:a14="http://schemas.microsoft.com/office/drawing/2010/main" val="0"/>
+              </a:ext>
+            </a:extLst>
+          </a:blip>
+          <a:srcRect/>
+          <a:stretch>
+            <a:fillRect/>
+          </a:stretch>
+        </p:blipFill>
+        <p:spPr bwMode="auto">
+          <a:xfrm>
+            <a:off x="3440860" y="1453037"/>
+            <a:ext cx="8154988" cy="5404963"/>
+          </a:xfrm>
+          <a:prstGeom prst="rect">
+            <a:avLst/>
+          </a:prstGeom>
+          <a:noFill/>
+          <a:extLst>
+            <a:ext uri="{909E8E84-426E-40DD-AFC4-6F175D3DCCD1}">
+              <a14:hiddenFill xmlns:a14="http://schemas.microsoft.com/office/drawing/2010/main">
+                <a:solidFill>
+                  <a:srgbClr val="FFFFFF"/>
+                </a:solidFill>
+              </a14:hiddenFill>
+            </a:ext>
+          </a:extLst>
+        </p:spPr>
+      </p:pic>
+      <p:sp>
+        <p:nvSpPr>
+          <p:cNvPr id="2" name="Title 1">
+            <a:extLst>
+              <a:ext uri="{FF2B5EF4-FFF2-40B4-BE49-F238E27FC236}">
+                <a16:creationId xmlns:a16="http://schemas.microsoft.com/office/drawing/2014/main" id="{C7D4C3D0-D4A5-4C75-8F9B-840F80EC9265}"/>
+              </a:ext>
+            </a:extLst>
+          </p:cNvPr>
+          <p:cNvSpPr>
+            <a:spLocks noGrp="1"/>
+          </p:cNvSpPr>
+          <p:nvPr>
+            <p:ph type="title"/>
+          </p:nvPr>
+        </p:nvSpPr>
+        <p:spPr/>
+        <p:txBody>
+          <a:bodyPr/>
+          <a:lstStyle/>
+          <a:p>
+            <a:r>
+              <a:rPr lang="en-US" b="1" dirty="0">
+                <a:latin typeface="Times New Roman" panose="02020603050405020304" pitchFamily="18" charset="0"/>
+                <a:cs typeface="Times New Roman" panose="02020603050405020304" pitchFamily="18" charset="0"/>
+              </a:rPr>
+              <a:t>Controller Design and Simulation</a:t>
+            </a:r>
+          </a:p>
+        </p:txBody>
+      </p:sp>
+      <p:sp>
+        <p:nvSpPr>
+          <p:cNvPr id="3" name="Content Placeholder 2">
+            <a:extLst>
+              <a:ext uri="{FF2B5EF4-FFF2-40B4-BE49-F238E27FC236}">
+                <a16:creationId xmlns:a16="http://schemas.microsoft.com/office/drawing/2014/main" id="{4ED1C488-E84D-405B-BC8A-0178BFBD74EB}"/>
+              </a:ext>
+            </a:extLst>
+          </p:cNvPr>
+          <p:cNvSpPr>
+            <a:spLocks noGrp="1"/>
+          </p:cNvSpPr>
+          <p:nvPr>
+            <p:ph idx="1"/>
+          </p:nvPr>
+        </p:nvSpPr>
+        <p:spPr>
+          <a:xfrm>
+            <a:off x="838200" y="1825625"/>
+            <a:ext cx="2933700" cy="4351338"/>
+          </a:xfrm>
+        </p:spPr>
+        <p:txBody>
+          <a:bodyPr>
+            <a:normAutofit/>
+          </a:bodyPr>
+          <a:lstStyle/>
+          <a:p>
+            <a:pPr marL="0" indent="0">
+              <a:buNone/>
+            </a:pPr>
+            <a:r>
+              <a:rPr lang="en-US" sz="3600" b="1" dirty="0">
+                <a:latin typeface="Times New Roman" panose="02020603050405020304" pitchFamily="18" charset="0"/>
+                <a:cs typeface="Times New Roman" panose="02020603050405020304" pitchFamily="18" charset="0"/>
+              </a:rPr>
+              <a:t>Simulink</a:t>
+            </a:r>
+          </a:p>
+          <a:p>
+            <a:pPr marL="0" indent="0">
+              <a:buNone/>
+            </a:pPr>
+            <a:endParaRPr lang="en-US" sz="3600" dirty="0">
+              <a:latin typeface="Times New Roman" panose="02020603050405020304" pitchFamily="18" charset="0"/>
+              <a:cs typeface="Times New Roman" panose="02020603050405020304" pitchFamily="18" charset="0"/>
+            </a:endParaRPr>
+          </a:p>
+          <a:p>
+            <a:r>
+              <a:rPr lang="en-US" sz="2400" dirty="0">
+                <a:latin typeface="Times New Roman" panose="02020603050405020304" pitchFamily="18" charset="0"/>
+                <a:cs typeface="Times New Roman" panose="02020603050405020304" pitchFamily="18" charset="0"/>
+              </a:rPr>
+              <a:t>The figure displays the final Simulink result file implemented with </a:t>
+            </a:r>
+            <a:r>
+              <a:rPr lang="en-US" sz="2400" dirty="0" err="1">
+                <a:latin typeface="Times New Roman" panose="02020603050405020304" pitchFamily="18" charset="0"/>
+                <a:cs typeface="Times New Roman" panose="02020603050405020304" pitchFamily="18" charset="0"/>
+              </a:rPr>
+              <a:t>Coppelia</a:t>
+            </a:r>
+            <a:r>
+              <a:rPr lang="en-US" sz="2400" dirty="0">
+                <a:latin typeface="Times New Roman" panose="02020603050405020304" pitchFamily="18" charset="0"/>
+                <a:cs typeface="Times New Roman" panose="02020603050405020304" pitchFamily="18" charset="0"/>
+              </a:rPr>
+              <a:t> for the project.</a:t>
+            </a:r>
+          </a:p>
+        </p:txBody>
+      </p:sp>
+    </p:spTree>
+    <p:extLst>
+      <p:ext uri="{BB962C8B-B14F-4D97-AF65-F5344CB8AC3E}">
+        <p14:creationId xmlns:p14="http://schemas.microsoft.com/office/powerpoint/2010/main" val="1484595878"/>
+      </p:ext>
+    </p:extLst>
+  </p:cSld>
+  <p:clrMapOvr>
+    <a:masterClrMapping/>
+  </p:clrMapOvr>
+  <mc:AlternateContent xmlns:mc="http://schemas.openxmlformats.org/markup-compatibility/2006" xmlns:p14="http://schemas.microsoft.com/office/powerpoint/2010/main">
+    <mc:Choice Requires="p14">
+      <p:transition spd="slow" p14:dur="2000" advTm="26620"/>
+    </mc:Choice>
+    <mc:Fallback xmlns="">
+      <p:transition spd="slow" advTm="26620"/>
+    </mc:Fallback>
+  </mc:AlternateContent>
+</p:sld>
+</file>
+
+<file path=ppt/slides/slide12.xml><?xml version="1.0" encoding="utf-8"?>
+<p:sld xmlns:a="http://schemas.openxmlformats.org/drawingml/2006/main" xmlns:r="http://schemas.openxmlformats.org/officeDocument/2006/relationships" xmlns:p="http://schemas.openxmlformats.org/presentationml/2006/main">
+  <p:cSld>
+    <p:spTree>
+      <p:nvGrpSpPr>
+        <p:cNvPr id="1" name=""/>
+        <p:cNvGrpSpPr/>
+        <p:nvPr/>
+      </p:nvGrpSpPr>
+      <p:grpSpPr>
+        <a:xfrm>
+          <a:off x="0" y="0"/>
+          <a:ext cx="0" cy="0"/>
+          <a:chOff x="0" y="0"/>
+          <a:chExt cx="0" cy="0"/>
+        </a:xfrm>
+      </p:grpSpPr>
       <p:sp>
         <p:nvSpPr>
           <p:cNvPr id="3" name="Content Placeholder 2">
@@ -4067,18 +4415,22 @@
               <a:buNone/>
             </a:pPr>
             <a:r>
-              <a:rPr lang="en-US" sz="3600" b="1">
+              <a:rPr lang="en-US" sz="3600" b="1" dirty="0" err="1">
                 <a:latin typeface="Times New Roman" panose="02020603050405020304" pitchFamily="18" charset="0"/>
                 <a:cs typeface="Times New Roman" panose="02020603050405020304" pitchFamily="18" charset="0"/>
               </a:rPr>
               <a:t>Coppelia</a:t>
             </a:r>
+            <a:endParaRPr lang="en-US" sz="3600" b="1" dirty="0">
+              <a:latin typeface="Times New Roman" panose="02020603050405020304" pitchFamily="18" charset="0"/>
+              <a:cs typeface="Times New Roman" panose="02020603050405020304" pitchFamily="18" charset="0"/>
+            </a:endParaRPr>
           </a:p>
           <a:p>
             <a:pPr marL="0" indent="0">
               <a:buNone/>
             </a:pPr>
-            <a:endParaRPr lang="en-US" sz="3600" b="1">
+            <a:endParaRPr lang="en-US" sz="3600" b="1" dirty="0">
               <a:latin typeface="Times New Roman" panose="02020603050405020304" pitchFamily="18" charset="0"/>
               <a:cs typeface="Times New Roman" panose="02020603050405020304" pitchFamily="18" charset="0"/>
             </a:endParaRPr>
@@ -4143,6 +4495,41 @@
       </p:pic>
       <p:sp>
         <p:nvSpPr>
+          <p:cNvPr id="2" name="Title 1">
+            <a:extLst>
+              <a:ext uri="{FF2B5EF4-FFF2-40B4-BE49-F238E27FC236}">
+                <a16:creationId xmlns:a16="http://schemas.microsoft.com/office/drawing/2014/main" id="{C597119B-5BE2-4B43-A9A4-F89295757EBB}"/>
+              </a:ext>
+            </a:extLst>
+          </p:cNvPr>
+          <p:cNvSpPr>
+            <a:spLocks noGrp="1"/>
+          </p:cNvSpPr>
+          <p:nvPr>
+            <p:ph type="title"/>
+          </p:nvPr>
+        </p:nvSpPr>
+        <p:spPr/>
+        <p:txBody>
+          <a:bodyPr/>
+          <a:lstStyle/>
+          <a:p>
+            <a:r>
+              <a:rPr lang="en-US" b="1">
+                <a:latin typeface="Times New Roman" panose="02020603050405020304" pitchFamily="18" charset="0"/>
+                <a:cs typeface="Times New Roman" panose="02020603050405020304" pitchFamily="18" charset="0"/>
+              </a:rPr>
+              <a:t>Controller Design and Simulation</a:t>
+            </a:r>
+            <a:endParaRPr lang="en-US" b="1" dirty="0">
+              <a:latin typeface="Times New Roman" panose="02020603050405020304" pitchFamily="18" charset="0"/>
+              <a:cs typeface="Times New Roman" panose="02020603050405020304" pitchFamily="18" charset="0"/>
+            </a:endParaRPr>
+          </a:p>
+        </p:txBody>
+      </p:sp>
+      <p:sp>
+        <p:nvSpPr>
           <p:cNvPr id="4" name="TextBox 3">
             <a:extLst>
               <a:ext uri="{FF2B5EF4-FFF2-40B4-BE49-F238E27FC236}">
@@ -4232,6 +4619,14 @@
   <p:clrMapOvr>
     <a:masterClrMapping/>
   </p:clrMapOvr>
+  <mc:AlternateContent xmlns:mc="http://schemas.openxmlformats.org/markup-compatibility/2006" xmlns:p14="http://schemas.microsoft.com/office/powerpoint/2010/main">
+    <mc:Choice Requires="p14">
+      <p:transition spd="slow" p14:dur="2000" advTm="28082"/>
+    </mc:Choice>
+    <mc:Fallback xmlns="">
+      <p:transition spd="slow" advTm="28082"/>
+    </mc:Fallback>
+  </mc:AlternateContent>
 </p:sld>
 </file>
 
@@ -4254,6 +4649,70 @@
       </p:grpSpPr>
       <p:sp>
         <p:nvSpPr>
+          <p:cNvPr id="3" name="Content Placeholder 2">
+            <a:extLst>
+              <a:ext uri="{FF2B5EF4-FFF2-40B4-BE49-F238E27FC236}">
+                <a16:creationId xmlns:a16="http://schemas.microsoft.com/office/drawing/2014/main" id="{D7584FA0-DF26-4D9F-AB92-63CE207F6F73}"/>
+              </a:ext>
+            </a:extLst>
+          </p:cNvPr>
+          <p:cNvSpPr>
+            <a:spLocks noGrp="1"/>
+          </p:cNvSpPr>
+          <p:nvPr>
+            <p:ph idx="1"/>
+          </p:nvPr>
+        </p:nvSpPr>
+        <p:spPr>
+          <a:solidFill>
+            <a:schemeClr val="bg1"/>
+          </a:solidFill>
+        </p:spPr>
+        <p:txBody>
+          <a:bodyPr/>
+          <a:lstStyle/>
+          <a:p>
+            <a:r>
+              <a:rPr lang="en-US" dirty="0">
+                <a:latin typeface="Times New Roman" panose="02020603050405020304" pitchFamily="18" charset="0"/>
+                <a:cs typeface="Times New Roman" panose="02020603050405020304" pitchFamily="18" charset="0"/>
+              </a:rPr>
+              <a:t>The purpose of a ball and plate system is to balance a ball on a plate utilizing two stepper motors attached in line to the bottom of the plate. As the force of gravity is constant, the plate must make constant micro adjustments to ensure the ball does not fall or stays within a specified region.</a:t>
+            </a:r>
+          </a:p>
+          <a:p>
+            <a:endParaRPr lang="en-US" dirty="0">
+              <a:latin typeface="Times New Roman" panose="02020603050405020304" pitchFamily="18" charset="0"/>
+              <a:cs typeface="Times New Roman" panose="02020603050405020304" pitchFamily="18" charset="0"/>
+            </a:endParaRPr>
+          </a:p>
+          <a:p>
+            <a:r>
+              <a:rPr lang="en-US" dirty="0">
+                <a:latin typeface="Times New Roman" panose="02020603050405020304" pitchFamily="18" charset="0"/>
+                <a:cs typeface="Times New Roman" panose="02020603050405020304" pitchFamily="18" charset="0"/>
+              </a:rPr>
+              <a:t>The goal of this project is to design a controller for this system utilizing Control Systems literature and equations, MATLAB, Simulink, and </a:t>
+            </a:r>
+            <a:r>
+              <a:rPr lang="en-US" dirty="0" err="1">
+                <a:latin typeface="Times New Roman" panose="02020603050405020304" pitchFamily="18" charset="0"/>
+                <a:cs typeface="Times New Roman" panose="02020603050405020304" pitchFamily="18" charset="0"/>
+              </a:rPr>
+              <a:t>CoppeliaSim</a:t>
+            </a:r>
+            <a:r>
+              <a:rPr lang="en-US" dirty="0">
+                <a:latin typeface="Times New Roman" panose="02020603050405020304" pitchFamily="18" charset="0"/>
+                <a:cs typeface="Times New Roman" panose="02020603050405020304" pitchFamily="18" charset="0"/>
+              </a:rPr>
+              <a:t>. </a:t>
+            </a:r>
+          </a:p>
+        </p:txBody>
+      </p:sp>
+      <p:sp>
+        <p:nvSpPr>
           <p:cNvPr id="2" name="Title 1">
             <a:extLst>
               <a:ext uri="{FF2B5EF4-FFF2-40B4-BE49-F238E27FC236}">
@@ -4279,66 +4738,6 @@
                 <a:cs typeface="Times New Roman" panose="02020603050405020304" pitchFamily="18" charset="0"/>
               </a:rPr>
               <a:t>Introduction</a:t>
-            </a:r>
-          </a:p>
-        </p:txBody>
-      </p:sp>
-      <p:sp>
-        <p:nvSpPr>
-          <p:cNvPr id="3" name="Content Placeholder 2">
-            <a:extLst>
-              <a:ext uri="{FF2B5EF4-FFF2-40B4-BE49-F238E27FC236}">
-                <a16:creationId xmlns:a16="http://schemas.microsoft.com/office/drawing/2014/main" id="{D7584FA0-DF26-4D9F-AB92-63CE207F6F73}"/>
-              </a:ext>
-            </a:extLst>
-          </p:cNvPr>
-          <p:cNvSpPr>
-            <a:spLocks noGrp="1"/>
-          </p:cNvSpPr>
-          <p:nvPr>
-            <p:ph idx="1"/>
-          </p:nvPr>
-        </p:nvSpPr>
-        <p:spPr/>
-        <p:txBody>
-          <a:bodyPr/>
-          <a:lstStyle/>
-          <a:p>
-            <a:r>
-              <a:rPr lang="en-US" dirty="0">
-                <a:latin typeface="Times New Roman" panose="02020603050405020304" pitchFamily="18" charset="0"/>
-                <a:cs typeface="Times New Roman" panose="02020603050405020304" pitchFamily="18" charset="0"/>
-              </a:rPr>
-              <a:t>The purpose of a ball and plate system is to balance a ball on a plate utilizing two stepper motors attached in line to the bottom of the plate. As the force of gravity is constant, the plate must make constant micro adjustments to ensure the ball does not fall or stays within a specified region.</a:t>
-            </a:r>
-          </a:p>
-          <a:p>
-            <a:endParaRPr lang="en-US" dirty="0">
-              <a:latin typeface="Times New Roman" panose="02020603050405020304" pitchFamily="18" charset="0"/>
-              <a:cs typeface="Times New Roman" panose="02020603050405020304" pitchFamily="18" charset="0"/>
-            </a:endParaRPr>
-          </a:p>
-          <a:p>
-            <a:r>
-              <a:rPr lang="en-US" dirty="0">
-                <a:latin typeface="Times New Roman" panose="02020603050405020304" pitchFamily="18" charset="0"/>
-                <a:cs typeface="Times New Roman" panose="02020603050405020304" pitchFamily="18" charset="0"/>
-              </a:rPr>
-              <a:t>The goal of this project is to design a controller for this system utilizing Control Systems literature and equations, MATLAB, Simulink, and </a:t>
-            </a:r>
-            <a:r>
-              <a:rPr lang="en-US" dirty="0" err="1">
-                <a:latin typeface="Times New Roman" panose="02020603050405020304" pitchFamily="18" charset="0"/>
-                <a:cs typeface="Times New Roman" panose="02020603050405020304" pitchFamily="18" charset="0"/>
-              </a:rPr>
-              <a:t>CoppeliaSim</a:t>
-            </a:r>
-            <a:r>
-              <a:rPr lang="en-US" dirty="0">
-                <a:latin typeface="Times New Roman" panose="02020603050405020304" pitchFamily="18" charset="0"/>
-                <a:cs typeface="Times New Roman" panose="02020603050405020304" pitchFamily="18" charset="0"/>
-              </a:rPr>
-              <a:t>. </a:t>
             </a:r>
           </a:p>
         </p:txBody>
@@ -4353,6 +4752,14 @@
   <p:clrMapOvr>
     <a:masterClrMapping/>
   </p:clrMapOvr>
+  <mc:AlternateContent xmlns:mc="http://schemas.openxmlformats.org/markup-compatibility/2006" xmlns:p14="http://schemas.microsoft.com/office/powerpoint/2010/main">
+    <mc:Choice Requires="p14">
+      <p:transition spd="slow" p14:dur="2000" advTm="31890"/>
+    </mc:Choice>
+    <mc:Fallback xmlns="">
+      <p:transition spd="slow" advTm="31890"/>
+    </mc:Fallback>
+  </mc:AlternateContent>
 </p:sld>
 </file>
 
@@ -4373,37 +4780,6 @@
           <a:chExt cx="0" cy="0"/>
         </a:xfrm>
       </p:grpSpPr>
-      <p:sp>
-        <p:nvSpPr>
-          <p:cNvPr id="2" name="Title 1">
-            <a:extLst>
-              <a:ext uri="{FF2B5EF4-FFF2-40B4-BE49-F238E27FC236}">
-                <a16:creationId xmlns:a16="http://schemas.microsoft.com/office/drawing/2014/main" id="{42C3D238-EC29-4FF7-AD2B-0A9B5858BA70}"/>
-              </a:ext>
-            </a:extLst>
-          </p:cNvPr>
-          <p:cNvSpPr>
-            <a:spLocks noGrp="1"/>
-          </p:cNvSpPr>
-          <p:nvPr>
-            <p:ph type="title"/>
-          </p:nvPr>
-        </p:nvSpPr>
-        <p:spPr/>
-        <p:txBody>
-          <a:bodyPr/>
-          <a:lstStyle/>
-          <a:p>
-            <a:r>
-              <a:rPr lang="en-US" b="1" dirty="0">
-                <a:latin typeface="Times New Roman" panose="02020603050405020304" pitchFamily="18" charset="0"/>
-                <a:cs typeface="Times New Roman" panose="02020603050405020304" pitchFamily="18" charset="0"/>
-              </a:rPr>
-              <a:t>Modeling</a:t>
-            </a:r>
-          </a:p>
-        </p:txBody>
-      </p:sp>
       <p:pic>
         <p:nvPicPr>
           <p:cNvPr id="1026" name="Picture 2">
@@ -4453,6 +4829,37 @@
           </a:extLst>
         </p:spPr>
       </p:pic>
+      <p:sp>
+        <p:nvSpPr>
+          <p:cNvPr id="2" name="Title 1">
+            <a:extLst>
+              <a:ext uri="{FF2B5EF4-FFF2-40B4-BE49-F238E27FC236}">
+                <a16:creationId xmlns:a16="http://schemas.microsoft.com/office/drawing/2014/main" id="{42C3D238-EC29-4FF7-AD2B-0A9B5858BA70}"/>
+              </a:ext>
+            </a:extLst>
+          </p:cNvPr>
+          <p:cNvSpPr>
+            <a:spLocks noGrp="1"/>
+          </p:cNvSpPr>
+          <p:nvPr>
+            <p:ph type="title"/>
+          </p:nvPr>
+        </p:nvSpPr>
+        <p:spPr/>
+        <p:txBody>
+          <a:bodyPr/>
+          <a:lstStyle/>
+          <a:p>
+            <a:r>
+              <a:rPr lang="en-US" b="1" dirty="0">
+                <a:latin typeface="Times New Roman" panose="02020603050405020304" pitchFamily="18" charset="0"/>
+                <a:cs typeface="Times New Roman" panose="02020603050405020304" pitchFamily="18" charset="0"/>
+              </a:rPr>
+              <a:t>Modeling</a:t>
+            </a:r>
+          </a:p>
+        </p:txBody>
+      </p:sp>
       <p:pic>
         <p:nvPicPr>
           <p:cNvPr id="1028" name="Picture 4">
@@ -4687,6 +5094,14 @@
   <p:clrMapOvr>
     <a:masterClrMapping/>
   </p:clrMapOvr>
+  <mc:AlternateContent xmlns:mc="http://schemas.openxmlformats.org/markup-compatibility/2006" xmlns:p14="http://schemas.microsoft.com/office/powerpoint/2010/main">
+    <mc:Choice Requires="p14">
+      <p:transition spd="slow" p14:dur="2000" advTm="33377"/>
+    </mc:Choice>
+    <mc:Fallback xmlns="">
+      <p:transition spd="slow" advTm="33377"/>
+    </mc:Fallback>
+  </mc:AlternateContent>
 </p:sld>
 </file>
 
@@ -4707,37 +5122,6 @@
           <a:chExt cx="0" cy="0"/>
         </a:xfrm>
       </p:grpSpPr>
-      <p:sp>
-        <p:nvSpPr>
-          <p:cNvPr id="2" name="Title 1">
-            <a:extLst>
-              <a:ext uri="{FF2B5EF4-FFF2-40B4-BE49-F238E27FC236}">
-                <a16:creationId xmlns:a16="http://schemas.microsoft.com/office/drawing/2014/main" id="{08178A41-2D53-42EE-8748-AA88C75C5337}"/>
-              </a:ext>
-            </a:extLst>
-          </p:cNvPr>
-          <p:cNvSpPr>
-            <a:spLocks noGrp="1"/>
-          </p:cNvSpPr>
-          <p:nvPr>
-            <p:ph type="title"/>
-          </p:nvPr>
-        </p:nvSpPr>
-        <p:spPr/>
-        <p:txBody>
-          <a:bodyPr/>
-          <a:lstStyle/>
-          <a:p>
-            <a:r>
-              <a:rPr lang="en-US" b="1" dirty="0">
-                <a:latin typeface="Times New Roman" panose="02020603050405020304" pitchFamily="18" charset="0"/>
-                <a:cs typeface="Times New Roman" panose="02020603050405020304" pitchFamily="18" charset="0"/>
-              </a:rPr>
-              <a:t>Control System Block Diagram</a:t>
-            </a:r>
-          </a:p>
-        </p:txBody>
-      </p:sp>
       <p:pic>
         <p:nvPicPr>
           <p:cNvPr id="2050" name="Picture 2">
@@ -4787,6 +5171,37 @@
           </a:extLst>
         </p:spPr>
       </p:pic>
+      <p:sp>
+        <p:nvSpPr>
+          <p:cNvPr id="2" name="Title 1">
+            <a:extLst>
+              <a:ext uri="{FF2B5EF4-FFF2-40B4-BE49-F238E27FC236}">
+                <a16:creationId xmlns:a16="http://schemas.microsoft.com/office/drawing/2014/main" id="{08178A41-2D53-42EE-8748-AA88C75C5337}"/>
+              </a:ext>
+            </a:extLst>
+          </p:cNvPr>
+          <p:cNvSpPr>
+            <a:spLocks noGrp="1"/>
+          </p:cNvSpPr>
+          <p:nvPr>
+            <p:ph type="title"/>
+          </p:nvPr>
+        </p:nvSpPr>
+        <p:spPr/>
+        <p:txBody>
+          <a:bodyPr/>
+          <a:lstStyle/>
+          <a:p>
+            <a:r>
+              <a:rPr lang="en-US" b="1" dirty="0">
+                <a:latin typeface="Times New Roman" panose="02020603050405020304" pitchFamily="18" charset="0"/>
+                <a:cs typeface="Times New Roman" panose="02020603050405020304" pitchFamily="18" charset="0"/>
+              </a:rPr>
+              <a:t>Control System Block Diagram</a:t>
+            </a:r>
+          </a:p>
+        </p:txBody>
+      </p:sp>
       <p:sp>
         <p:nvSpPr>
           <p:cNvPr id="4" name="TextBox 3">
@@ -5102,6 +5517,14 @@
   <p:clrMapOvr>
     <a:masterClrMapping/>
   </p:clrMapOvr>
+  <mc:AlternateContent xmlns:mc="http://schemas.openxmlformats.org/markup-compatibility/2006" xmlns:p14="http://schemas.microsoft.com/office/powerpoint/2010/main">
+    <mc:Choice Requires="p14">
+      <p:transition spd="slow" p14:dur="2000" advTm="27270"/>
+    </mc:Choice>
+    <mc:Fallback xmlns="">
+      <p:transition spd="slow" advTm="27270"/>
+    </mc:Fallback>
+  </mc:AlternateContent>
 </p:sld>
 </file>
 
@@ -5122,37 +5545,6 @@
           <a:chExt cx="0" cy="0"/>
         </a:xfrm>
       </p:grpSpPr>
-      <p:sp>
-        <p:nvSpPr>
-          <p:cNvPr id="2" name="Title 1">
-            <a:extLst>
-              <a:ext uri="{FF2B5EF4-FFF2-40B4-BE49-F238E27FC236}">
-                <a16:creationId xmlns:a16="http://schemas.microsoft.com/office/drawing/2014/main" id="{3B782C6D-A487-42BC-BB01-B159F8634C2B}"/>
-              </a:ext>
-            </a:extLst>
-          </p:cNvPr>
-          <p:cNvSpPr>
-            <a:spLocks noGrp="1"/>
-          </p:cNvSpPr>
-          <p:nvPr>
-            <p:ph type="title"/>
-          </p:nvPr>
-        </p:nvSpPr>
-        <p:spPr/>
-        <p:txBody>
-          <a:bodyPr/>
-          <a:lstStyle/>
-          <a:p>
-            <a:r>
-              <a:rPr lang="en-US" b="1" dirty="0">
-                <a:latin typeface="Times New Roman" panose="02020603050405020304" pitchFamily="18" charset="0"/>
-                <a:cs typeface="Times New Roman" panose="02020603050405020304" pitchFamily="18" charset="0"/>
-              </a:rPr>
-              <a:t>Working System Requirements</a:t>
-            </a:r>
-          </a:p>
-        </p:txBody>
-      </p:sp>
       <p:pic>
         <p:nvPicPr>
           <p:cNvPr id="3074" name="Picture 2">
@@ -5202,6 +5594,37 @@
           </a:extLst>
         </p:spPr>
       </p:pic>
+      <p:sp>
+        <p:nvSpPr>
+          <p:cNvPr id="2" name="Title 1">
+            <a:extLst>
+              <a:ext uri="{FF2B5EF4-FFF2-40B4-BE49-F238E27FC236}">
+                <a16:creationId xmlns:a16="http://schemas.microsoft.com/office/drawing/2014/main" id="{3B782C6D-A487-42BC-BB01-B159F8634C2B}"/>
+              </a:ext>
+            </a:extLst>
+          </p:cNvPr>
+          <p:cNvSpPr>
+            <a:spLocks noGrp="1"/>
+          </p:cNvSpPr>
+          <p:nvPr>
+            <p:ph type="title"/>
+          </p:nvPr>
+        </p:nvSpPr>
+        <p:spPr/>
+        <p:txBody>
+          <a:bodyPr/>
+          <a:lstStyle/>
+          <a:p>
+            <a:r>
+              <a:rPr lang="en-US" b="1" dirty="0">
+                <a:latin typeface="Times New Roman" panose="02020603050405020304" pitchFamily="18" charset="0"/>
+                <a:cs typeface="Times New Roman" panose="02020603050405020304" pitchFamily="18" charset="0"/>
+              </a:rPr>
+              <a:t>Working System Requirements</a:t>
+            </a:r>
+          </a:p>
+        </p:txBody>
+      </p:sp>
     </p:spTree>
     <p:extLst>
       <p:ext uri="{BB962C8B-B14F-4D97-AF65-F5344CB8AC3E}">
@@ -5212,6 +5635,14 @@
   <p:clrMapOvr>
     <a:masterClrMapping/>
   </p:clrMapOvr>
+  <mc:AlternateContent xmlns:mc="http://schemas.openxmlformats.org/markup-compatibility/2006" xmlns:p14="http://schemas.microsoft.com/office/powerpoint/2010/main">
+    <mc:Choice Requires="p14">
+      <p:transition spd="slow" p14:dur="2000" advTm="24901"/>
+    </mc:Choice>
+    <mc:Fallback xmlns="">
+      <p:transition spd="slow" advTm="24901"/>
+    </mc:Fallback>
+  </mc:AlternateContent>
 </p:sld>
 </file>
 
@@ -5232,52 +5663,19 @@
           <a:chExt cx="0" cy="0"/>
         </a:xfrm>
       </p:grpSpPr>
-      <p:sp>
-        <p:nvSpPr>
-          <p:cNvPr id="2" name="Title 1">
-            <a:extLst>
-              <a:ext uri="{FF2B5EF4-FFF2-40B4-BE49-F238E27FC236}">
-                <a16:creationId xmlns:a16="http://schemas.microsoft.com/office/drawing/2014/main" id="{459F9B5C-D616-47DA-8C56-CAC37E676CE2}"/>
-              </a:ext>
-            </a:extLst>
-          </p:cNvPr>
-          <p:cNvSpPr>
-            <a:spLocks noGrp="1"/>
-          </p:cNvSpPr>
-          <p:nvPr>
-            <p:ph type="title"/>
-          </p:nvPr>
-        </p:nvSpPr>
-        <p:spPr/>
-        <p:txBody>
-          <a:bodyPr/>
-          <a:lstStyle/>
-          <a:p>
-            <a:r>
-              <a:rPr lang="en-US" b="1" dirty="0">
-                <a:latin typeface="Times New Roman" panose="02020603050405020304" pitchFamily="18" charset="0"/>
-                <a:cs typeface="Times New Roman" panose="02020603050405020304" pitchFamily="18" charset="0"/>
-              </a:rPr>
-              <a:t>Controller Design and Simulation </a:t>
-            </a:r>
-          </a:p>
-        </p:txBody>
-      </p:sp>
       <p:pic>
         <p:nvPicPr>
-          <p:cNvPr id="4098" name="Picture 2">
-            <a:extLst>
-              <a:ext uri="{FF2B5EF4-FFF2-40B4-BE49-F238E27FC236}">
-                <a16:creationId xmlns:a16="http://schemas.microsoft.com/office/drawing/2014/main" id="{A1BC832E-9282-4D93-8E29-8DCDC8CC004E}"/>
+          <p:cNvPr id="12" name="Picture 4">
+            <a:extLst>
+              <a:ext uri="{FF2B5EF4-FFF2-40B4-BE49-F238E27FC236}">
+                <a16:creationId xmlns:a16="http://schemas.microsoft.com/office/drawing/2014/main" id="{B19D0C2F-4D30-4639-9F54-9649B8956A78}"/>
               </a:ext>
             </a:extLst>
           </p:cNvPr>
           <p:cNvPicPr>
-            <a:picLocks noGrp="1" noChangeAspect="1" noChangeArrowheads="1"/>
+            <a:picLocks noChangeAspect="1" noChangeArrowheads="1"/>
           </p:cNvPicPr>
-          <p:nvPr>
-            <p:ph idx="1"/>
-          </p:nvPr>
+          <p:nvPr/>
         </p:nvPicPr>
         <p:blipFill rotWithShape="1">
           <a:blip r:embed="rId2">
@@ -5287,13 +5685,13 @@
               </a:ext>
             </a:extLst>
           </a:blip>
-          <a:srcRect r="-1061" b="48824"/>
+          <a:srcRect l="-1079" t="52341"/>
           <a:stretch/>
         </p:blipFill>
         <p:spPr bwMode="auto">
           <a:xfrm>
-            <a:off x="6096000" y="1690688"/>
-            <a:ext cx="4766610" cy="4594514"/>
+            <a:off x="5612747" y="1690687"/>
+            <a:ext cx="6468230" cy="4707521"/>
           </a:xfrm>
           <a:prstGeom prst="rect">
             <a:avLst/>
@@ -5312,79 +5710,82 @@
       </p:pic>
       <p:sp>
         <p:nvSpPr>
-          <p:cNvPr id="7" name="TextBox 6">
-            <a:extLst>
-              <a:ext uri="{FF2B5EF4-FFF2-40B4-BE49-F238E27FC236}">
-                <a16:creationId xmlns:a16="http://schemas.microsoft.com/office/drawing/2014/main" id="{DAC7C3EA-D293-4BDD-ABF9-D2F322EA7C65}"/>
-              </a:ext>
-            </a:extLst>
-          </p:cNvPr>
-          <p:cNvSpPr txBox="1"/>
-          <p:nvPr/>
-        </p:nvSpPr>
-        <p:spPr>
+          <p:cNvPr id="2" name="Title 1">
+            <a:extLst>
+              <a:ext uri="{FF2B5EF4-FFF2-40B4-BE49-F238E27FC236}">
+                <a16:creationId xmlns:a16="http://schemas.microsoft.com/office/drawing/2014/main" id="{459F9B5C-D616-47DA-8C56-CAC37E676CE2}"/>
+              </a:ext>
+            </a:extLst>
+          </p:cNvPr>
+          <p:cNvSpPr>
+            <a:spLocks noGrp="1"/>
+          </p:cNvSpPr>
+          <p:nvPr>
+            <p:ph type="title"/>
+          </p:nvPr>
+        </p:nvSpPr>
+        <p:spPr/>
+        <p:txBody>
+          <a:bodyPr/>
+          <a:lstStyle/>
+          <a:p>
+            <a:r>
+              <a:rPr lang="en-US" b="1" dirty="0">
+                <a:latin typeface="Times New Roman" panose="02020603050405020304" pitchFamily="18" charset="0"/>
+                <a:cs typeface="Times New Roman" panose="02020603050405020304" pitchFamily="18" charset="0"/>
+              </a:rPr>
+              <a:t>Controller Design and Simulation </a:t>
+            </a:r>
+          </a:p>
+        </p:txBody>
+      </p:sp>
+      <p:pic>
+        <p:nvPicPr>
+          <p:cNvPr id="1028" name="Picture 4">
+            <a:extLst>
+              <a:ext uri="{FF2B5EF4-FFF2-40B4-BE49-F238E27FC236}">
+                <a16:creationId xmlns:a16="http://schemas.microsoft.com/office/drawing/2014/main" id="{A44B756D-96C9-4758-BBDA-EF28EB43C937}"/>
+              </a:ext>
+            </a:extLst>
+          </p:cNvPr>
+          <p:cNvPicPr>
+            <a:picLocks noGrp="1" noChangeAspect="1" noChangeArrowheads="1"/>
+          </p:cNvPicPr>
+          <p:nvPr>
+            <p:ph idx="1"/>
+          </p:nvPr>
+        </p:nvPicPr>
+        <p:blipFill rotWithShape="1">
+          <a:blip r:embed="rId2">
+            <a:extLst>
+              <a:ext uri="{28A0092B-C50C-407E-A947-70E740481C1C}">
+                <a14:useLocalDpi xmlns:a14="http://schemas.microsoft.com/office/drawing/2010/main" val="0"/>
+              </a:ext>
+            </a:extLst>
+          </a:blip>
+          <a:srcRect l="-1" r="277" b="46838"/>
+          <a:stretch/>
+        </p:blipFill>
+        <p:spPr bwMode="auto">
           <a:xfrm>
-            <a:off x="477981" y="1690688"/>
-            <a:ext cx="4468091" cy="3046988"/>
+            <a:off x="156090" y="1690686"/>
+            <a:ext cx="5328215" cy="4707522"/>
           </a:xfrm>
           <a:prstGeom prst="rect">
             <a:avLst/>
           </a:prstGeom>
           <a:noFill/>
+          <a:extLst>
+            <a:ext uri="{909E8E84-426E-40DD-AFC4-6F175D3DCCD1}">
+              <a14:hiddenFill xmlns:a14="http://schemas.microsoft.com/office/drawing/2010/main">
+                <a:solidFill>
+                  <a:srgbClr val="FFFFFF"/>
+                </a:solidFill>
+              </a14:hiddenFill>
+            </a:ext>
+          </a:extLst>
         </p:spPr>
-        <p:txBody>
-          <a:bodyPr wrap="square" rtlCol="0">
-            <a:spAutoFit/>
-          </a:bodyPr>
-          <a:lstStyle/>
-          <a:p>
-            <a:pPr marL="285750" indent="-285750">
-              <a:buFont typeface="Arial" panose="020B0604020202020204" pitchFamily="34" charset="0"/>
-              <a:buChar char="•"/>
-            </a:pPr>
-            <a:r>
-              <a:rPr lang="en-US" sz="2400" dirty="0">
-                <a:latin typeface="Times New Roman" panose="02020603050405020304" pitchFamily="18" charset="0"/>
-                <a:cs typeface="Times New Roman" panose="02020603050405020304" pitchFamily="18" charset="0"/>
-              </a:rPr>
-              <a:t>The mathematical model was tested using the following MATLAB code and Simulink:</a:t>
-            </a:r>
-          </a:p>
-          <a:p>
-            <a:pPr marL="285750" indent="-285750">
-              <a:buFont typeface="Arial" panose="020B0604020202020204" pitchFamily="34" charset="0"/>
-              <a:buChar char="•"/>
-            </a:pPr>
-            <a:endParaRPr lang="en-US" sz="2400" dirty="0">
-              <a:latin typeface="Times New Roman" panose="02020603050405020304" pitchFamily="18" charset="0"/>
-              <a:cs typeface="Times New Roman" panose="02020603050405020304" pitchFamily="18" charset="0"/>
-            </a:endParaRPr>
-          </a:p>
-          <a:p>
-            <a:r>
-              <a:rPr lang="en-US" sz="2400" dirty="0">
-                <a:latin typeface="Times New Roman" panose="02020603050405020304" pitchFamily="18" charset="0"/>
-                <a:cs typeface="Times New Roman" panose="02020603050405020304" pitchFamily="18" charset="0"/>
-              </a:rPr>
-              <a:t>NOTE: Manual switches were added due to the inability to properly configure the link between MATLAB and </a:t>
-            </a:r>
-            <a:r>
-              <a:rPr lang="en-US" sz="2400" dirty="0" err="1">
-                <a:latin typeface="Times New Roman" panose="02020603050405020304" pitchFamily="18" charset="0"/>
-                <a:cs typeface="Times New Roman" panose="02020603050405020304" pitchFamily="18" charset="0"/>
-              </a:rPr>
-              <a:t>Coppelia</a:t>
-            </a:r>
-            <a:r>
-              <a:rPr lang="en-US" sz="2400" dirty="0">
-                <a:latin typeface="Times New Roman" panose="02020603050405020304" pitchFamily="18" charset="0"/>
-                <a:cs typeface="Times New Roman" panose="02020603050405020304" pitchFamily="18" charset="0"/>
-              </a:rPr>
-              <a:t>.</a:t>
-            </a:r>
-          </a:p>
-        </p:txBody>
-      </p:sp>
+      </p:pic>
     </p:spTree>
     <p:extLst>
       <p:ext uri="{BB962C8B-B14F-4D97-AF65-F5344CB8AC3E}">
@@ -5395,6 +5796,14 @@
   <p:clrMapOvr>
     <a:masterClrMapping/>
   </p:clrMapOvr>
+  <mc:AlternateContent xmlns:mc="http://schemas.openxmlformats.org/markup-compatibility/2006" xmlns:p14="http://schemas.microsoft.com/office/powerpoint/2010/main">
+    <mc:Choice Requires="p14">
+      <p:transition spd="slow" p14:dur="2000" advTm="55946"/>
+    </mc:Choice>
+    <mc:Fallback xmlns="">
+      <p:transition spd="slow" advTm="55946"/>
+    </mc:Fallback>
+  </mc:AlternateContent>
 </p:sld>
 </file>
 
@@ -5415,43 +5824,12 @@
           <a:chExt cx="0" cy="0"/>
         </a:xfrm>
       </p:grpSpPr>
-      <p:sp>
-        <p:nvSpPr>
-          <p:cNvPr id="2" name="Title 1">
-            <a:extLst>
-              <a:ext uri="{FF2B5EF4-FFF2-40B4-BE49-F238E27FC236}">
-                <a16:creationId xmlns:a16="http://schemas.microsoft.com/office/drawing/2014/main" id="{559CD565-52D3-47E7-BAE3-D0D408327FEB}"/>
-              </a:ext>
-            </a:extLst>
-          </p:cNvPr>
-          <p:cNvSpPr>
-            <a:spLocks noGrp="1"/>
-          </p:cNvSpPr>
-          <p:nvPr>
-            <p:ph type="title"/>
-          </p:nvPr>
-        </p:nvSpPr>
-        <p:spPr/>
-        <p:txBody>
-          <a:bodyPr/>
-          <a:lstStyle/>
-          <a:p>
-            <a:r>
-              <a:rPr lang="en-US" b="1" dirty="0">
-                <a:latin typeface="Times New Roman" panose="02020603050405020304" pitchFamily="18" charset="0"/>
-                <a:cs typeface="Times New Roman" panose="02020603050405020304" pitchFamily="18" charset="0"/>
-              </a:rPr>
-              <a:t>Controller Design and Simulation</a:t>
-            </a:r>
-          </a:p>
-        </p:txBody>
-      </p:sp>
       <p:pic>
         <p:nvPicPr>
-          <p:cNvPr id="5122" name="Picture 2">
-            <a:extLst>
-              <a:ext uri="{FF2B5EF4-FFF2-40B4-BE49-F238E27FC236}">
-                <a16:creationId xmlns:a16="http://schemas.microsoft.com/office/drawing/2014/main" id="{A5B0A32F-5A03-4880-9A87-C97163F6BF26}"/>
+          <p:cNvPr id="2054" name="Picture 6">
+            <a:extLst>
+              <a:ext uri="{FF2B5EF4-FFF2-40B4-BE49-F238E27FC236}">
+                <a16:creationId xmlns:a16="http://schemas.microsoft.com/office/drawing/2014/main" id="{5575D5CA-08FD-4082-BABC-91227DA92A20}"/>
               </a:ext>
             </a:extLst>
           </p:cNvPr>
@@ -5477,8 +5855,8 @@
         </p:blipFill>
         <p:spPr bwMode="auto">
           <a:xfrm>
-            <a:off x="5861002" y="1696776"/>
-            <a:ext cx="6071754" cy="4588426"/>
+            <a:off x="2470558" y="1690688"/>
+            <a:ext cx="7250884" cy="4968055"/>
           </a:xfrm>
           <a:prstGeom prst="rect">
             <a:avLst/>
@@ -5495,51 +5873,37 @@
           </a:extLst>
         </p:spPr>
       </p:pic>
-      <p:pic>
-        <p:nvPicPr>
-          <p:cNvPr id="6" name="Picture 4">
-            <a:extLst>
-              <a:ext uri="{FF2B5EF4-FFF2-40B4-BE49-F238E27FC236}">
-                <a16:creationId xmlns:a16="http://schemas.microsoft.com/office/drawing/2014/main" id="{C9658CAC-2731-4181-B179-D5CE9B9AA41B}"/>
-              </a:ext>
-            </a:extLst>
-          </p:cNvPr>
-          <p:cNvPicPr>
-            <a:picLocks noChangeAspect="1" noChangeArrowheads="1"/>
-          </p:cNvPicPr>
-          <p:nvPr/>
-        </p:nvPicPr>
-        <p:blipFill rotWithShape="1">
-          <a:blip r:embed="rId3">
-            <a:extLst>
-              <a:ext uri="{28A0092B-C50C-407E-A947-70E740481C1C}">
-                <a14:useLocalDpi xmlns:a14="http://schemas.microsoft.com/office/drawing/2010/main" val="0"/>
-              </a:ext>
-            </a:extLst>
-          </a:blip>
-          <a:srcRect t="51668" r="-557" b="-1"/>
-          <a:stretch/>
-        </p:blipFill>
-        <p:spPr bwMode="auto">
-          <a:xfrm>
-            <a:off x="397788" y="1690688"/>
-            <a:ext cx="5022802" cy="4594514"/>
-          </a:xfrm>
-          <a:prstGeom prst="rect">
-            <a:avLst/>
-          </a:prstGeom>
-          <a:noFill/>
-          <a:extLst>
-            <a:ext uri="{909E8E84-426E-40DD-AFC4-6F175D3DCCD1}">
-              <a14:hiddenFill xmlns:a14="http://schemas.microsoft.com/office/drawing/2010/main">
-                <a:solidFill>
-                  <a:srgbClr val="FFFFFF"/>
-                </a:solidFill>
-              </a14:hiddenFill>
-            </a:ext>
-          </a:extLst>
-        </p:spPr>
-      </p:pic>
+      <p:sp>
+        <p:nvSpPr>
+          <p:cNvPr id="2" name="Title 1">
+            <a:extLst>
+              <a:ext uri="{FF2B5EF4-FFF2-40B4-BE49-F238E27FC236}">
+                <a16:creationId xmlns:a16="http://schemas.microsoft.com/office/drawing/2014/main" id="{559CD565-52D3-47E7-BAE3-D0D408327FEB}"/>
+              </a:ext>
+            </a:extLst>
+          </p:cNvPr>
+          <p:cNvSpPr>
+            <a:spLocks noGrp="1"/>
+          </p:cNvSpPr>
+          <p:nvPr>
+            <p:ph type="title"/>
+          </p:nvPr>
+        </p:nvSpPr>
+        <p:spPr/>
+        <p:txBody>
+          <a:bodyPr/>
+          <a:lstStyle/>
+          <a:p>
+            <a:r>
+              <a:rPr lang="en-US" b="1" dirty="0">
+                <a:latin typeface="Times New Roman" panose="02020603050405020304" pitchFamily="18" charset="0"/>
+                <a:cs typeface="Times New Roman" panose="02020603050405020304" pitchFamily="18" charset="0"/>
+              </a:rPr>
+              <a:t>Controller Design and Simulation</a:t>
+            </a:r>
+          </a:p>
+        </p:txBody>
+      </p:sp>
     </p:spTree>
     <p:extLst>
       <p:ext uri="{BB962C8B-B14F-4D97-AF65-F5344CB8AC3E}">
@@ -5550,6 +5914,14 @@
   <p:clrMapOvr>
     <a:masterClrMapping/>
   </p:clrMapOvr>
+  <mc:AlternateContent xmlns:mc="http://schemas.openxmlformats.org/markup-compatibility/2006" xmlns:p14="http://schemas.microsoft.com/office/powerpoint/2010/main">
+    <mc:Choice Requires="p14">
+      <p:transition spd="slow" p14:dur="2000" advTm="19282"/>
+    </mc:Choice>
+    <mc:Fallback xmlns="">
+      <p:transition spd="slow" advTm="19282"/>
+    </mc:Fallback>
+  </mc:AlternateContent>
 </p:sld>
 </file>
 
@@ -5572,51 +5944,31 @@
       </p:grpSpPr>
       <p:pic>
         <p:nvPicPr>
-          <p:cNvPr id="6146" name="Picture 2">
-            <a:extLst>
-              <a:ext uri="{FF2B5EF4-FFF2-40B4-BE49-F238E27FC236}">
-                <a16:creationId xmlns:a16="http://schemas.microsoft.com/office/drawing/2014/main" id="{88772FC1-F330-4131-BE0B-3A8814697A82}"/>
+          <p:cNvPr id="5" name="Picture 4">
+            <a:extLst>
+              <a:ext uri="{FF2B5EF4-FFF2-40B4-BE49-F238E27FC236}">
+                <a16:creationId xmlns:a16="http://schemas.microsoft.com/office/drawing/2014/main" id="{780DEEE2-690D-4EBD-AA14-4DE87D62540A}"/>
               </a:ext>
             </a:extLst>
           </p:cNvPr>
           <p:cNvPicPr>
-            <a:picLocks noGrp="1" noChangeAspect="1" noChangeArrowheads="1"/>
+            <a:picLocks noChangeAspect="1"/>
           </p:cNvPicPr>
-          <p:nvPr>
-            <p:ph idx="1"/>
-          </p:nvPr>
+          <p:nvPr/>
         </p:nvPicPr>
-        <p:blipFill>
-          <a:blip r:embed="rId2">
-            <a:extLst>
-              <a:ext uri="{28A0092B-C50C-407E-A947-70E740481C1C}">
-                <a14:useLocalDpi xmlns:a14="http://schemas.microsoft.com/office/drawing/2010/main" val="0"/>
-              </a:ext>
-            </a:extLst>
-          </a:blip>
-          <a:srcRect/>
-          <a:stretch>
-            <a:fillRect/>
-          </a:stretch>
+        <p:blipFill rotWithShape="1">
+          <a:blip r:embed="rId2"/>
+          <a:srcRect r="-2293" b="48662"/>
+          <a:stretch/>
         </p:blipFill>
-        <p:spPr bwMode="auto">
+        <p:spPr>
           <a:xfrm>
-            <a:off x="5033297" y="1422019"/>
-            <a:ext cx="6953386" cy="5435981"/>
+            <a:off x="5270221" y="1636169"/>
+            <a:ext cx="5084013" cy="4856706"/>
           </a:xfrm>
           <a:prstGeom prst="rect">
             <a:avLst/>
           </a:prstGeom>
-          <a:noFill/>
-          <a:extLst>
-            <a:ext uri="{909E8E84-426E-40DD-AFC4-6F175D3DCCD1}">
-              <a14:hiddenFill xmlns:a14="http://schemas.microsoft.com/office/drawing/2010/main">
-                <a:solidFill>
-                  <a:srgbClr val="FFFFFF"/>
-                </a:solidFill>
-              </a14:hiddenFill>
-            </a:ext>
-          </a:extLst>
         </p:spPr>
       </p:pic>
       <p:sp>
@@ -5624,7 +5976,7 @@
           <p:cNvPr id="2" name="Title 1">
             <a:extLst>
               <a:ext uri="{FF2B5EF4-FFF2-40B4-BE49-F238E27FC236}">
-                <a16:creationId xmlns:a16="http://schemas.microsoft.com/office/drawing/2014/main" id="{134846C8-C1B5-4584-A46F-3C706E6146F8}"/>
+                <a16:creationId xmlns:a16="http://schemas.microsoft.com/office/drawing/2014/main" id="{E92C0F6F-8745-4641-8F8E-66600E95A973}"/>
               </a:ext>
             </a:extLst>
           </p:cNvPr>
@@ -5652,20 +6004,24 @@
       </p:sp>
       <p:sp>
         <p:nvSpPr>
-          <p:cNvPr id="4" name="TextBox 3">
-            <a:extLst>
-              <a:ext uri="{FF2B5EF4-FFF2-40B4-BE49-F238E27FC236}">
-                <a16:creationId xmlns:a16="http://schemas.microsoft.com/office/drawing/2014/main" id="{6D2F2574-9346-403A-9EB0-2FDCFDD111DF}"/>
-              </a:ext>
-            </a:extLst>
-          </p:cNvPr>
-          <p:cNvSpPr txBox="1"/>
-          <p:nvPr/>
+          <p:cNvPr id="4" name="Content Placeholder 3">
+            <a:extLst>
+              <a:ext uri="{FF2B5EF4-FFF2-40B4-BE49-F238E27FC236}">
+                <a16:creationId xmlns:a16="http://schemas.microsoft.com/office/drawing/2014/main" id="{7352470E-DD71-4B49-9E60-A43BFF74132A}"/>
+              </a:ext>
+            </a:extLst>
+          </p:cNvPr>
+          <p:cNvSpPr txBox="1">
+            <a:spLocks noGrp="1"/>
+          </p:cNvSpPr>
+          <p:nvPr>
+            <p:ph idx="1"/>
+          </p:nvPr>
         </p:nvSpPr>
         <p:spPr>
           <a:xfrm>
-            <a:off x="372533" y="1896533"/>
-            <a:ext cx="4660764" cy="3046988"/>
+            <a:off x="838200" y="1825625"/>
+            <a:ext cx="3439160" cy="3672800"/>
           </a:xfrm>
           <a:prstGeom prst="rect">
             <a:avLst/>
@@ -5687,7 +6043,21 @@
                 <a:latin typeface="Times New Roman" panose="02020603050405020304" pitchFamily="18" charset="0"/>
                 <a:cs typeface="Times New Roman" panose="02020603050405020304" pitchFamily="18" charset="0"/>
               </a:rPr>
-              <a:t>The following is a graphical representation of the output data acquired from MATLAB for the balls position vs time within the system.</a:t>
+              <a:t>Alterations were made due to the inability to link to </a:t>
+            </a:r>
+            <a:r>
+              <a:rPr lang="en-US" sz="2400" dirty="0" err="1">
+                <a:latin typeface="Times New Roman" panose="02020603050405020304" pitchFamily="18" charset="0"/>
+                <a:cs typeface="Times New Roman" panose="02020603050405020304" pitchFamily="18" charset="0"/>
+              </a:rPr>
+              <a:t>CoppeliaSim</a:t>
+            </a:r>
+            <a:r>
+              <a:rPr lang="en-US" sz="2400" dirty="0">
+                <a:latin typeface="Times New Roman" panose="02020603050405020304" pitchFamily="18" charset="0"/>
+                <a:cs typeface="Times New Roman" panose="02020603050405020304" pitchFamily="18" charset="0"/>
+              </a:rPr>
+              <a:t>.</a:t>
             </a:r>
           </a:p>
           <a:p>
@@ -5706,7 +6076,21 @@
                 <a:latin typeface="Times New Roman" panose="02020603050405020304" pitchFamily="18" charset="0"/>
                 <a:cs typeface="Times New Roman" panose="02020603050405020304" pitchFamily="18" charset="0"/>
               </a:rPr>
-              <a:t>NOTE: x- and y- positions of ball are listed independently </a:t>
+              <a:t>NOTE: Manual switches were added due to the inability to properly configure the link between MATLAB and </a:t>
+            </a:r>
+            <a:r>
+              <a:rPr lang="en-US" sz="2400" dirty="0" err="1">
+                <a:latin typeface="Times New Roman" panose="02020603050405020304" pitchFamily="18" charset="0"/>
+                <a:cs typeface="Times New Roman" panose="02020603050405020304" pitchFamily="18" charset="0"/>
+              </a:rPr>
+              <a:t>Coppelia</a:t>
+            </a:r>
+            <a:r>
+              <a:rPr lang="en-US" sz="2400" dirty="0">
+                <a:latin typeface="Times New Roman" panose="02020603050405020304" pitchFamily="18" charset="0"/>
+                <a:cs typeface="Times New Roman" panose="02020603050405020304" pitchFamily="18" charset="0"/>
+              </a:rPr>
+              <a:t>.</a:t>
             </a:r>
           </a:p>
         </p:txBody>
@@ -5714,13 +6098,21 @@
     </p:spTree>
     <p:extLst>
       <p:ext uri="{BB962C8B-B14F-4D97-AF65-F5344CB8AC3E}">
-        <p14:creationId xmlns:p14="http://schemas.microsoft.com/office/powerpoint/2010/main" val="3896515915"/>
+        <p14:creationId xmlns:p14="http://schemas.microsoft.com/office/powerpoint/2010/main" val="2608396981"/>
       </p:ext>
     </p:extLst>
   </p:cSld>
   <p:clrMapOvr>
     <a:masterClrMapping/>
   </p:clrMapOvr>
+  <mc:AlternateContent xmlns:mc="http://schemas.openxmlformats.org/markup-compatibility/2006" xmlns:p14="http://schemas.microsoft.com/office/powerpoint/2010/main">
+    <mc:Choice Requires="p14">
+      <p:transition spd="slow" p14:dur="2000" advTm="8206"/>
+    </mc:Choice>
+    <mc:Fallback xmlns="">
+      <p:transition spd="slow" advTm="8206"/>
+    </mc:Fallback>
+  </mc:AlternateContent>
 </p:sld>
 </file>
 
@@ -5741,12 +6133,42 @@
           <a:chExt cx="0" cy="0"/>
         </a:xfrm>
       </p:grpSpPr>
+      <p:pic>
+        <p:nvPicPr>
+          <p:cNvPr id="5" name="Picture 4">
+            <a:extLst>
+              <a:ext uri="{FF2B5EF4-FFF2-40B4-BE49-F238E27FC236}">
+                <a16:creationId xmlns:a16="http://schemas.microsoft.com/office/drawing/2014/main" id="{CBBEE9E5-0AED-493D-ADB9-C3EB20437F9A}"/>
+              </a:ext>
+            </a:extLst>
+          </p:cNvPr>
+          <p:cNvPicPr>
+            <a:picLocks noChangeAspect="1"/>
+          </p:cNvPicPr>
+          <p:nvPr/>
+        </p:nvPicPr>
+        <p:blipFill>
+          <a:blip r:embed="rId2"/>
+          <a:stretch>
+            <a:fillRect/>
+          </a:stretch>
+        </p:blipFill>
+        <p:spPr>
+          <a:xfrm>
+            <a:off x="6261904" y="1690688"/>
+            <a:ext cx="5465166" cy="4130027"/>
+          </a:xfrm>
+          <a:prstGeom prst="rect">
+            <a:avLst/>
+          </a:prstGeom>
+        </p:spPr>
+      </p:pic>
       <p:sp>
         <p:nvSpPr>
           <p:cNvPr id="2" name="Title 1">
             <a:extLst>
               <a:ext uri="{FF2B5EF4-FFF2-40B4-BE49-F238E27FC236}">
-                <a16:creationId xmlns:a16="http://schemas.microsoft.com/office/drawing/2014/main" id="{C7D4C3D0-D4A5-4C75-8F9B-840F80EC9265}"/>
+                <a16:creationId xmlns:a16="http://schemas.microsoft.com/office/drawing/2014/main" id="{C706083A-898C-463B-BB8A-6A11C5F2F15D}"/>
               </a:ext>
             </a:extLst>
           </p:cNvPr>
@@ -5774,134 +6196,53 @@
       </p:sp>
       <p:pic>
         <p:nvPicPr>
-          <p:cNvPr id="7170" name="Picture 2">
-            <a:extLst>
-              <a:ext uri="{FF2B5EF4-FFF2-40B4-BE49-F238E27FC236}">
-                <a16:creationId xmlns:a16="http://schemas.microsoft.com/office/drawing/2014/main" id="{E2E3D8B3-1C94-480A-B3AD-1DDBB9A20597}"/>
+          <p:cNvPr id="4" name="Content Placeholder 3">
+            <a:extLst>
+              <a:ext uri="{FF2B5EF4-FFF2-40B4-BE49-F238E27FC236}">
+                <a16:creationId xmlns:a16="http://schemas.microsoft.com/office/drawing/2014/main" id="{51A08CCE-BB94-4EED-8F23-85ED88D7FE51}"/>
               </a:ext>
             </a:extLst>
           </p:cNvPr>
           <p:cNvPicPr>
-            <a:picLocks noChangeAspect="1" noChangeArrowheads="1"/>
+            <a:picLocks noGrp="1" noChangeAspect="1"/>
           </p:cNvPicPr>
-          <p:nvPr/>
+          <p:nvPr>
+            <p:ph idx="1"/>
+          </p:nvPr>
         </p:nvPicPr>
-        <p:blipFill>
-          <a:blip r:embed="rId2">
-            <a:extLst>
-              <a:ext uri="{28A0092B-C50C-407E-A947-70E740481C1C}">
-                <a14:useLocalDpi xmlns:a14="http://schemas.microsoft.com/office/drawing/2010/main" val="0"/>
-              </a:ext>
-            </a:extLst>
-          </a:blip>
-          <a:srcRect/>
-          <a:stretch>
-            <a:fillRect/>
-          </a:stretch>
+        <p:blipFill rotWithShape="1">
+          <a:blip r:embed="rId3"/>
+          <a:srcRect l="-1" t="51384" r="3306" b="10259"/>
+          <a:stretch/>
         </p:blipFill>
-        <p:spPr bwMode="auto">
+        <p:spPr>
           <a:xfrm>
-            <a:off x="3440860" y="1453037"/>
-            <a:ext cx="8154988" cy="5404963"/>
+            <a:off x="337609" y="1920831"/>
+            <a:ext cx="5164749" cy="3899884"/>
           </a:xfrm>
           <a:prstGeom prst="rect">
             <a:avLst/>
           </a:prstGeom>
-          <a:noFill/>
-          <a:extLst>
-            <a:ext uri="{909E8E84-426E-40DD-AFC4-6F175D3DCCD1}">
-              <a14:hiddenFill xmlns:a14="http://schemas.microsoft.com/office/drawing/2010/main">
-                <a:solidFill>
-                  <a:srgbClr val="FFFFFF"/>
-                </a:solidFill>
-              </a14:hiddenFill>
-            </a:ext>
-          </a:extLst>
         </p:spPr>
       </p:pic>
-      <p:sp>
-        <p:nvSpPr>
-          <p:cNvPr id="3" name="Content Placeholder 2">
-            <a:extLst>
-              <a:ext uri="{FF2B5EF4-FFF2-40B4-BE49-F238E27FC236}">
-                <a16:creationId xmlns:a16="http://schemas.microsoft.com/office/drawing/2014/main" id="{4ED1C488-E84D-405B-BC8A-0178BFBD74EB}"/>
-              </a:ext>
-            </a:extLst>
-          </p:cNvPr>
-          <p:cNvSpPr>
-            <a:spLocks noGrp="1"/>
-          </p:cNvSpPr>
-          <p:nvPr>
-            <p:ph idx="1"/>
-          </p:nvPr>
-        </p:nvSpPr>
-        <p:spPr>
-          <a:xfrm>
-            <a:off x="838200" y="1825625"/>
-            <a:ext cx="2933700" cy="4351338"/>
-          </a:xfrm>
-        </p:spPr>
-        <p:txBody>
-          <a:bodyPr>
-            <a:normAutofit/>
-          </a:bodyPr>
-          <a:lstStyle/>
-          <a:p>
-            <a:pPr marL="0" indent="0">
-              <a:buNone/>
-            </a:pPr>
-            <a:r>
-              <a:rPr lang="en-US" sz="3600" b="1" dirty="0">
-                <a:latin typeface="Times New Roman" panose="02020603050405020304" pitchFamily="18" charset="0"/>
-                <a:cs typeface="Times New Roman" panose="02020603050405020304" pitchFamily="18" charset="0"/>
-              </a:rPr>
-              <a:t>Simulink</a:t>
-            </a:r>
-          </a:p>
-          <a:p>
-            <a:pPr marL="0" indent="0">
-              <a:buNone/>
-            </a:pPr>
-            <a:endParaRPr lang="en-US" sz="3600" dirty="0">
-              <a:latin typeface="Times New Roman" panose="02020603050405020304" pitchFamily="18" charset="0"/>
-              <a:cs typeface="Times New Roman" panose="02020603050405020304" pitchFamily="18" charset="0"/>
-            </a:endParaRPr>
-          </a:p>
-          <a:p>
-            <a:r>
-              <a:rPr lang="en-US" sz="2400" dirty="0">
-                <a:latin typeface="Times New Roman" panose="02020603050405020304" pitchFamily="18" charset="0"/>
-                <a:cs typeface="Times New Roman" panose="02020603050405020304" pitchFamily="18" charset="0"/>
-              </a:rPr>
-              <a:t>The figure displays the final Simulink result file implemented with </a:t>
-            </a:r>
-            <a:r>
-              <a:rPr lang="en-US" sz="2400" dirty="0" err="1">
-                <a:latin typeface="Times New Roman" panose="02020603050405020304" pitchFamily="18" charset="0"/>
-                <a:cs typeface="Times New Roman" panose="02020603050405020304" pitchFamily="18" charset="0"/>
-              </a:rPr>
-              <a:t>Coppelia</a:t>
-            </a:r>
-            <a:r>
-              <a:rPr lang="en-US" sz="2400" dirty="0">
-                <a:latin typeface="Times New Roman" panose="02020603050405020304" pitchFamily="18" charset="0"/>
-                <a:cs typeface="Times New Roman" panose="02020603050405020304" pitchFamily="18" charset="0"/>
-              </a:rPr>
-              <a:t> for the project.</a:t>
-            </a:r>
-          </a:p>
-        </p:txBody>
-      </p:sp>
     </p:spTree>
     <p:extLst>
       <p:ext uri="{BB962C8B-B14F-4D97-AF65-F5344CB8AC3E}">
-        <p14:creationId xmlns:p14="http://schemas.microsoft.com/office/powerpoint/2010/main" val="1484595878"/>
+        <p14:creationId xmlns:p14="http://schemas.microsoft.com/office/powerpoint/2010/main" val="2706289888"/>
       </p:ext>
     </p:extLst>
   </p:cSld>
   <p:clrMapOvr>
     <a:masterClrMapping/>
   </p:clrMapOvr>
+  <mc:AlternateContent xmlns:mc="http://schemas.openxmlformats.org/markup-compatibility/2006" xmlns:p14="http://schemas.microsoft.com/office/powerpoint/2010/main">
+    <mc:Choice Requires="p14">
+      <p:transition spd="slow" p14:dur="2000" advTm="13357"/>
+    </mc:Choice>
+    <mc:Fallback xmlns="">
+      <p:transition spd="slow" advTm="13357"/>
+    </mc:Fallback>
+  </mc:AlternateContent>
 </p:sld>
 </file>
 
